--- a/GruppoJ_PPT UFFCIALE.pptx
+++ b/GruppoJ_PPT UFFCIALE.pptx
@@ -247,7 +247,7 @@
           <a:p>
             <a:fld id="{0A055084-1CB9-CF40-93F3-663EB9ADEB9C}" type="datetimeFigureOut">
               <a:rPr lang="it-IT" smtClean="0"/>
-              <a:t>30/05/24</a:t>
+              <a:t>31/05/2024</a:t>
             </a:fld>
             <a:endParaRPr lang="it-IT"/>
           </a:p>
@@ -2038,7 +2038,7 @@
           <p:nvPr/>
         </p:nvPicPr>
         <p:blipFill>
-          <a:blip r:embed="rId5" cstate="print">
+          <a:blip r:embed="rId5" cstate="email">
             <a:extLst>
               <a:ext uri="{28A0092B-C50C-407E-A947-70E740481C1C}">
                 <a14:useLocalDpi xmlns:a14="http://schemas.microsoft.com/office/drawing/2010/main" val="0"/>
@@ -2064,14 +2064,14 @@
           </a:ln>
           <a:extLst>
             <a:ext uri="{909E8E84-426E-40dd-AFC4-6F175D3DCCD1}">
-              <a14:hiddenFill xmlns:a14="http://schemas.microsoft.com/office/drawing/2010/main" xmlns="">
+              <a14:hiddenFill xmlns="" xmlns:a14="http://schemas.microsoft.com/office/drawing/2010/main">
                 <a:solidFill>
                   <a:srgbClr val="FFFFFF"/>
                 </a:solidFill>
               </a14:hiddenFill>
             </a:ext>
             <a:ext uri="{91240B29-F687-4f45-9708-019B960494DF}">
-              <a14:hiddenLine xmlns:a14="http://schemas.microsoft.com/office/drawing/2010/main" xmlns="" w="9525">
+              <a14:hiddenLine xmlns="" xmlns:a14="http://schemas.microsoft.com/office/drawing/2010/main" w="9525">
                 <a:solidFill>
                   <a:srgbClr val="000000"/>
                 </a:solidFill>
@@ -2149,14 +2149,14 @@
           </a:ln>
           <a:extLst>
             <a:ext uri="{909E8E84-426E-40dd-AFC4-6F175D3DCCD1}">
-              <a14:hiddenFill xmlns:a14="http://schemas.microsoft.com/office/drawing/2010/main" xmlns="">
+              <a14:hiddenFill xmlns="" xmlns:a14="http://schemas.microsoft.com/office/drawing/2010/main">
                 <a:solidFill>
                   <a:srgbClr val="FFFFFF"/>
                 </a:solidFill>
               </a14:hiddenFill>
             </a:ext>
             <a:ext uri="{91240B29-F687-4f45-9708-019B960494DF}">
-              <a14:hiddenLine xmlns:a14="http://schemas.microsoft.com/office/drawing/2010/main" xmlns="" w="9525">
+              <a14:hiddenLine xmlns="" xmlns:a14="http://schemas.microsoft.com/office/drawing/2010/main" w="9525">
                 <a:solidFill>
                   <a:srgbClr val="000000"/>
                 </a:solidFill>
@@ -2166,7 +2166,7 @@
               </a14:hiddenLine>
             </a:ext>
             <a:ext uri="{FAA26D3D-D897-4be2-8F04-BA451C77F1D7}">
-              <ma14:placeholderFlag xmlns:ma14="http://schemas.microsoft.com/office/mac/drawingml/2011/main" xmlns="" val="1"/>
+              <ma14:placeholderFlag xmlns="" xmlns:ma14="http://schemas.microsoft.com/office/mac/drawingml/2011/main" val="1"/>
             </a:ext>
           </a:extLst>
         </p:spPr>
@@ -2210,14 +2210,14 @@
           </a:ln>
           <a:extLst>
             <a:ext uri="{909E8E84-426E-40dd-AFC4-6F175D3DCCD1}">
-              <a14:hiddenFill xmlns:a14="http://schemas.microsoft.com/office/drawing/2010/main" xmlns="">
+              <a14:hiddenFill xmlns="" xmlns:a14="http://schemas.microsoft.com/office/drawing/2010/main">
                 <a:solidFill>
                   <a:srgbClr val="FFFFFF"/>
                 </a:solidFill>
               </a14:hiddenFill>
             </a:ext>
             <a:ext uri="{91240B29-F687-4f45-9708-019B960494DF}">
-              <a14:hiddenLine xmlns:a14="http://schemas.microsoft.com/office/drawing/2010/main" xmlns="" w="9525">
+              <a14:hiddenLine xmlns="" xmlns:a14="http://schemas.microsoft.com/office/drawing/2010/main" w="9525">
                 <a:solidFill>
                   <a:srgbClr val="000000"/>
                 </a:solidFill>
@@ -2227,7 +2227,7 @@
               </a14:hiddenLine>
             </a:ext>
             <a:ext uri="{FAA26D3D-D897-4be2-8F04-BA451C77F1D7}">
-              <ma14:placeholderFlag xmlns:ma14="http://schemas.microsoft.com/office/mac/drawingml/2011/main" xmlns="" val="1"/>
+              <ma14:placeholderFlag xmlns="" xmlns:ma14="http://schemas.microsoft.com/office/mac/drawingml/2011/main" val="1"/>
             </a:ext>
           </a:extLst>
         </p:spPr>
@@ -2722,14 +2722,14 @@
           <a:effectLst/>
           <a:extLst>
             <a:ext uri="{909E8E84-426E-40dd-AFC4-6F175D3DCCD1}">
-              <a14:hiddenFill xmlns:a14="http://schemas.microsoft.com/office/drawing/2010/main" xmlns="">
+              <a14:hiddenFill xmlns="" xmlns:a14="http://schemas.microsoft.com/office/drawing/2010/main">
                 <a:solidFill>
                   <a:schemeClr val="accent1"/>
                 </a:solidFill>
               </a14:hiddenFill>
             </a:ext>
             <a:ext uri="{91240B29-F687-4f45-9708-019B960494DF}">
-              <a14:hiddenLine xmlns:a14="http://schemas.microsoft.com/office/drawing/2010/main" xmlns="" w="9525">
+              <a14:hiddenLine xmlns="" xmlns:a14="http://schemas.microsoft.com/office/drawing/2010/main" w="9525">
                 <a:solidFill>
                   <a:srgbClr val="FF6600"/>
                 </a:solidFill>
@@ -2739,7 +2739,7 @@
               </a14:hiddenLine>
             </a:ext>
             <a:ext uri="{AF507438-7753-43e0-B8FC-AC1667EBCBE1}">
-              <a14:hiddenEffects xmlns:a14="http://schemas.microsoft.com/office/drawing/2010/main" xmlns="">
+              <a14:hiddenEffects xmlns="" xmlns:a14="http://schemas.microsoft.com/office/drawing/2010/main">
                 <a:effectLst>
                   <a:outerShdw blurRad="63500" dist="38099" dir="2700000" algn="ctr" rotWithShape="0">
                     <a:schemeClr val="bg2">
@@ -3281,7 +3281,7 @@
           <p:nvPr/>
         </p:nvPicPr>
         <p:blipFill>
-          <a:blip r:embed="rId5" cstate="print">
+          <a:blip r:embed="rId5" cstate="email">
             <a:extLst>
               <a:ext uri="{28A0092B-C50C-407E-A947-70E740481C1C}">
                 <a14:useLocalDpi xmlns:a14="http://schemas.microsoft.com/office/drawing/2010/main" val="0"/>
@@ -3307,14 +3307,14 @@
           </a:ln>
           <a:extLst>
             <a:ext uri="{909E8E84-426E-40dd-AFC4-6F175D3DCCD1}">
-              <a14:hiddenFill xmlns:a14="http://schemas.microsoft.com/office/drawing/2010/main" xmlns="">
+              <a14:hiddenFill xmlns="" xmlns:a14="http://schemas.microsoft.com/office/drawing/2010/main">
                 <a:solidFill>
                   <a:srgbClr val="FFFFFF"/>
                 </a:solidFill>
               </a14:hiddenFill>
             </a:ext>
             <a:ext uri="{91240B29-F687-4f45-9708-019B960494DF}">
-              <a14:hiddenLine xmlns:a14="http://schemas.microsoft.com/office/drawing/2010/main" xmlns="" w="9525">
+              <a14:hiddenLine xmlns="" xmlns:a14="http://schemas.microsoft.com/office/drawing/2010/main" w="9525">
                 <a:solidFill>
                   <a:srgbClr val="000000"/>
                 </a:solidFill>
@@ -3392,14 +3392,14 @@
           </a:ln>
           <a:extLst>
             <a:ext uri="{909E8E84-426E-40dd-AFC4-6F175D3DCCD1}">
-              <a14:hiddenFill xmlns:a14="http://schemas.microsoft.com/office/drawing/2010/main" xmlns="">
+              <a14:hiddenFill xmlns="" xmlns:a14="http://schemas.microsoft.com/office/drawing/2010/main">
                 <a:solidFill>
                   <a:srgbClr val="FFFFFF"/>
                 </a:solidFill>
               </a14:hiddenFill>
             </a:ext>
             <a:ext uri="{91240B29-F687-4f45-9708-019B960494DF}">
-              <a14:hiddenLine xmlns:a14="http://schemas.microsoft.com/office/drawing/2010/main" xmlns="" w="9525">
+              <a14:hiddenLine xmlns="" xmlns:a14="http://schemas.microsoft.com/office/drawing/2010/main" w="9525">
                 <a:solidFill>
                   <a:srgbClr val="000000"/>
                 </a:solidFill>
@@ -3409,7 +3409,7 @@
               </a14:hiddenLine>
             </a:ext>
             <a:ext uri="{FAA26D3D-D897-4be2-8F04-BA451C77F1D7}">
-              <ma14:placeholderFlag xmlns:ma14="http://schemas.microsoft.com/office/mac/drawingml/2011/main" xmlns="" val="1"/>
+              <ma14:placeholderFlag xmlns="" xmlns:ma14="http://schemas.microsoft.com/office/mac/drawingml/2011/main" val="1"/>
             </a:ext>
           </a:extLst>
         </p:spPr>
@@ -3453,14 +3453,14 @@
           </a:ln>
           <a:extLst>
             <a:ext uri="{909E8E84-426E-40dd-AFC4-6F175D3DCCD1}">
-              <a14:hiddenFill xmlns:a14="http://schemas.microsoft.com/office/drawing/2010/main" xmlns="">
+              <a14:hiddenFill xmlns="" xmlns:a14="http://schemas.microsoft.com/office/drawing/2010/main">
                 <a:solidFill>
                   <a:srgbClr val="FFFFFF"/>
                 </a:solidFill>
               </a14:hiddenFill>
             </a:ext>
             <a:ext uri="{91240B29-F687-4f45-9708-019B960494DF}">
-              <a14:hiddenLine xmlns:a14="http://schemas.microsoft.com/office/drawing/2010/main" xmlns="" w="9525">
+              <a14:hiddenLine xmlns="" xmlns:a14="http://schemas.microsoft.com/office/drawing/2010/main" w="9525">
                 <a:solidFill>
                   <a:srgbClr val="000000"/>
                 </a:solidFill>
@@ -3470,7 +3470,7 @@
               </a14:hiddenLine>
             </a:ext>
             <a:ext uri="{FAA26D3D-D897-4be2-8F04-BA451C77F1D7}">
-              <ma14:placeholderFlag xmlns:ma14="http://schemas.microsoft.com/office/mac/drawingml/2011/main" xmlns="" val="1"/>
+              <ma14:placeholderFlag xmlns="" xmlns:ma14="http://schemas.microsoft.com/office/mac/drawingml/2011/main" val="1"/>
             </a:ext>
           </a:extLst>
         </p:spPr>
@@ -4752,7 +4752,7 @@
           <p:nvPr/>
         </p:nvPicPr>
         <p:blipFill>
-          <a:blip r:embed="rId2">
+          <a:blip r:embed="rId2" cstate="email">
             <a:extLst>
               <a:ext uri="{28A0092B-C50C-407E-A947-70E740481C1C}">
                 <a14:useLocalDpi xmlns:a14="http://schemas.microsoft.com/office/drawing/2010/main" val="0"/>
@@ -4788,7 +4788,7 @@
           <p:nvPr/>
         </p:nvPicPr>
         <p:blipFill>
-          <a:blip r:embed="rId3">
+          <a:blip r:embed="rId3" cstate="email">
             <a:extLst>
               <a:ext uri="{28A0092B-C50C-407E-A947-70E740481C1C}">
                 <a14:useLocalDpi xmlns:a14="http://schemas.microsoft.com/office/drawing/2010/main" val="0"/>
@@ -4844,7 +4844,7 @@
             <p:nvPr/>
           </p:nvPicPr>
           <p:blipFill>
-            <a:blip r:embed="rId4">
+            <a:blip r:embed="rId4" cstate="email">
               <a:extLst>
                 <a:ext uri="{28A0092B-C50C-407E-A947-70E740481C1C}">
                   <a14:useLocalDpi xmlns:a14="http://schemas.microsoft.com/office/drawing/2010/main" val="0"/>
@@ -4880,7 +4880,7 @@
             <p:nvPr/>
           </p:nvPicPr>
           <p:blipFill>
-            <a:blip r:embed="rId5">
+            <a:blip r:embed="rId5" cstate="email">
               <a:extLst>
                 <a:ext uri="{28A0092B-C50C-407E-A947-70E740481C1C}">
                   <a14:useLocalDpi xmlns:a14="http://schemas.microsoft.com/office/drawing/2010/main" val="0"/>
@@ -5373,6 +5373,200 @@
               </a:rPr>
               <a:t>Comparison between wind history 1 and 3 in dry condition – same wind speed, but different turbulence intensity</a:t>
             </a:r>
+          </a:p>
+        </p:txBody>
+      </p:sp>
+      <p:pic>
+        <p:nvPicPr>
+          <p:cNvPr id="3" name="Immagine 2" descr="Immagine che contiene testo, linea, Diagramma, schermata&#10;&#10;Descrizione generata automaticamente">
+            <a:extLst>
+              <a:ext uri="{FF2B5EF4-FFF2-40B4-BE49-F238E27FC236}">
+                <a16:creationId xmlns:a16="http://schemas.microsoft.com/office/drawing/2014/main" id="{979A0D70-24D6-0DF5-B02E-6605AC0BDBD9}"/>
+              </a:ext>
+            </a:extLst>
+          </p:cNvPr>
+          <p:cNvPicPr>
+            <a:picLocks noChangeAspect="1"/>
+          </p:cNvPicPr>
+          <p:nvPr/>
+        </p:nvPicPr>
+        <p:blipFill>
+          <a:blip r:embed="rId2" cstate="email">
+            <a:extLst>
+              <a:ext uri="{28A0092B-C50C-407E-A947-70E740481C1C}">
+                <a14:useLocalDpi xmlns:a14="http://schemas.microsoft.com/office/drawing/2010/main" val="0"/>
+              </a:ext>
+            </a:extLst>
+          </a:blip>
+          <a:stretch>
+            <a:fillRect/>
+          </a:stretch>
+        </p:blipFill>
+        <p:spPr>
+          <a:xfrm>
+            <a:off x="0" y="1164101"/>
+            <a:ext cx="4500000" cy="2296500"/>
+          </a:xfrm>
+          <a:prstGeom prst="rect">
+            <a:avLst/>
+          </a:prstGeom>
+        </p:spPr>
+      </p:pic>
+      <p:pic>
+        <p:nvPicPr>
+          <p:cNvPr id="8" name="Immagine 7" descr="Immagine che contiene testo, linea, Diagramma, Carattere&#10;&#10;Descrizione generata automaticamente">
+            <a:extLst>
+              <a:ext uri="{FF2B5EF4-FFF2-40B4-BE49-F238E27FC236}">
+                <a16:creationId xmlns:a16="http://schemas.microsoft.com/office/drawing/2014/main" id="{54D10DD9-E3EB-22E5-06C3-A981EBA33017}"/>
+              </a:ext>
+            </a:extLst>
+          </p:cNvPr>
+          <p:cNvPicPr>
+            <a:picLocks noChangeAspect="1"/>
+          </p:cNvPicPr>
+          <p:nvPr/>
+        </p:nvPicPr>
+        <p:blipFill>
+          <a:blip r:embed="rId3" cstate="email">
+            <a:extLst>
+              <a:ext uri="{28A0092B-C50C-407E-A947-70E740481C1C}">
+                <a14:useLocalDpi xmlns:a14="http://schemas.microsoft.com/office/drawing/2010/main" val="0"/>
+              </a:ext>
+            </a:extLst>
+          </a:blip>
+          <a:stretch>
+            <a:fillRect/>
+          </a:stretch>
+        </p:blipFill>
+        <p:spPr>
+          <a:xfrm>
+            <a:off x="0" y="3429000"/>
+            <a:ext cx="4500000" cy="2296500"/>
+          </a:xfrm>
+          <a:prstGeom prst="rect">
+            <a:avLst/>
+          </a:prstGeom>
+        </p:spPr>
+      </p:pic>
+      <p:pic>
+        <p:nvPicPr>
+          <p:cNvPr id="15" name="Immagine 14" descr="Immagine che contiene testo, linea, Diagramma, schermata&#10;&#10;Descrizione generata automaticamente">
+            <a:extLst>
+              <a:ext uri="{FF2B5EF4-FFF2-40B4-BE49-F238E27FC236}">
+                <a16:creationId xmlns:a16="http://schemas.microsoft.com/office/drawing/2014/main" id="{4E378F8D-4BA1-D182-0E62-27245BF5B4A2}"/>
+              </a:ext>
+            </a:extLst>
+          </p:cNvPr>
+          <p:cNvPicPr>
+            <a:picLocks noChangeAspect="1"/>
+          </p:cNvPicPr>
+          <p:nvPr/>
+        </p:nvPicPr>
+        <p:blipFill>
+          <a:blip r:embed="rId4" cstate="email">
+            <a:extLst>
+              <a:ext uri="{28A0092B-C50C-407E-A947-70E740481C1C}">
+                <a14:useLocalDpi xmlns:a14="http://schemas.microsoft.com/office/drawing/2010/main" val="0"/>
+              </a:ext>
+            </a:extLst>
+          </a:blip>
+          <a:stretch>
+            <a:fillRect/>
+          </a:stretch>
+        </p:blipFill>
+        <p:spPr>
+          <a:xfrm>
+            <a:off x="4646428" y="3460601"/>
+            <a:ext cx="4500000" cy="2290221"/>
+          </a:xfrm>
+          <a:prstGeom prst="rect">
+            <a:avLst/>
+          </a:prstGeom>
+        </p:spPr>
+      </p:pic>
+      <p:pic>
+        <p:nvPicPr>
+          <p:cNvPr id="17" name="Immagine 16" descr="Immagine che contiene testo, linea, Diagramma, diagramma&#10;&#10;Descrizione generata automaticamente">
+            <a:extLst>
+              <a:ext uri="{FF2B5EF4-FFF2-40B4-BE49-F238E27FC236}">
+                <a16:creationId xmlns:a16="http://schemas.microsoft.com/office/drawing/2014/main" id="{C39B3135-BF7D-C0B1-2F89-664512E7E799}"/>
+              </a:ext>
+            </a:extLst>
+          </p:cNvPr>
+          <p:cNvPicPr>
+            <a:picLocks noChangeAspect="1"/>
+          </p:cNvPicPr>
+          <p:nvPr/>
+        </p:nvPicPr>
+        <p:blipFill>
+          <a:blip r:embed="rId5" cstate="email">
+            <a:extLst>
+              <a:ext uri="{28A0092B-C50C-407E-A947-70E740481C1C}">
+                <a14:useLocalDpi xmlns:a14="http://schemas.microsoft.com/office/drawing/2010/main" val="0"/>
+              </a:ext>
+            </a:extLst>
+          </a:blip>
+          <a:stretch>
+            <a:fillRect/>
+          </a:stretch>
+        </p:blipFill>
+        <p:spPr>
+          <a:xfrm>
+            <a:off x="4572000" y="1170380"/>
+            <a:ext cx="4500000" cy="2290221"/>
+          </a:xfrm>
+          <a:prstGeom prst="rect">
+            <a:avLst/>
+          </a:prstGeom>
+        </p:spPr>
+      </p:pic>
+      <p:sp>
+        <p:nvSpPr>
+          <p:cNvPr id="18" name="CasellaDiTesto 17">
+            <a:extLst>
+              <a:ext uri="{FF2B5EF4-FFF2-40B4-BE49-F238E27FC236}">
+                <a16:creationId xmlns:a16="http://schemas.microsoft.com/office/drawing/2014/main" id="{445C3AD9-5911-284E-C8E0-2ECC2F7BEDFF}"/>
+              </a:ext>
+            </a:extLst>
+          </p:cNvPr>
+          <p:cNvSpPr txBox="1"/>
+          <p:nvPr/>
+        </p:nvSpPr>
+        <p:spPr>
+          <a:xfrm>
+            <a:off x="240030" y="5844540"/>
+            <a:ext cx="8663940" cy="577081"/>
+          </a:xfrm>
+          <a:prstGeom prst="rect">
+            <a:avLst/>
+          </a:prstGeom>
+          <a:noFill/>
+        </p:spPr>
+        <p:txBody>
+          <a:bodyPr wrap="square" rtlCol="0">
+            <a:spAutoFit/>
+          </a:bodyPr>
+          <a:lstStyle/>
+          <a:p>
+            <a:r>
+              <a:rPr lang="en-US" sz="1050" dirty="0">
+                <a:solidFill>
+                  <a:schemeClr val="tx1">
+                    <a:lumMod val="50000"/>
+                    <a:lumOff val="50000"/>
+                  </a:schemeClr>
+                </a:solidFill>
+              </a:rPr>
+              <a:t>The frequency content  in the second case is more distributed at high frequencies, which is why the average value of the various quantities is similar in the two cases, while the peaks are clearly different. from the N/N plot, it is also useful to note that despite the peaks, we find ourselves with an average value of around 0.6, i.e. in a condition that is still safe </a:t>
+            </a:r>
+            <a:endParaRPr lang="en-GB" sz="1050" dirty="0">
+              <a:solidFill>
+                <a:schemeClr val="tx1">
+                  <a:lumMod val="50000"/>
+                  <a:lumOff val="50000"/>
+                </a:schemeClr>
+              </a:solidFill>
+            </a:endParaRPr>
           </a:p>
         </p:txBody>
       </p:sp>

--- a/GruppoJ_PPT UFFCIALE.pptx
+++ b/GruppoJ_PPT UFFCIALE.pptx
@@ -514,6 +514,90 @@
 </p:notesMaster>
 </file>
 
+<file path=ppt/notesSlides/notesSlide1.xml><?xml version="1.0" encoding="utf-8"?>
+<p:notes xmlns:a="http://schemas.openxmlformats.org/drawingml/2006/main" xmlns:r="http://schemas.openxmlformats.org/officeDocument/2006/relationships" xmlns:p="http://schemas.openxmlformats.org/presentationml/2006/main">
+  <p:cSld>
+    <p:spTree>
+      <p:nvGrpSpPr>
+        <p:cNvPr id="1" name=""/>
+        <p:cNvGrpSpPr/>
+        <p:nvPr/>
+      </p:nvGrpSpPr>
+      <p:grpSpPr>
+        <a:xfrm>
+          <a:off x="0" y="0"/>
+          <a:ext cx="0" cy="0"/>
+          <a:chOff x="0" y="0"/>
+          <a:chExt cx="0" cy="0"/>
+        </a:xfrm>
+      </p:grpSpPr>
+      <p:sp>
+        <p:nvSpPr>
+          <p:cNvPr id="2" name="Segnaposto immagine diapositiva 1"/>
+          <p:cNvSpPr>
+            <a:spLocks noGrp="1" noRot="1" noChangeAspect="1"/>
+          </p:cNvSpPr>
+          <p:nvPr>
+            <p:ph type="sldImg"/>
+          </p:nvPr>
+        </p:nvSpPr>
+        <p:spPr/>
+      </p:sp>
+      <p:sp>
+        <p:nvSpPr>
+          <p:cNvPr id="3" name="Segnaposto note 2"/>
+          <p:cNvSpPr>
+            <a:spLocks noGrp="1"/>
+          </p:cNvSpPr>
+          <p:nvPr>
+            <p:ph type="body" idx="1"/>
+          </p:nvPr>
+        </p:nvSpPr>
+        <p:spPr/>
+        <p:txBody>
+          <a:bodyPr/>
+          <a:lstStyle/>
+          <a:p>
+            <a:endParaRPr lang="en-GB" dirty="0"/>
+          </a:p>
+        </p:txBody>
+      </p:sp>
+      <p:sp>
+        <p:nvSpPr>
+          <p:cNvPr id="4" name="Segnaposto numero diapositiva 3"/>
+          <p:cNvSpPr>
+            <a:spLocks noGrp="1"/>
+          </p:cNvSpPr>
+          <p:nvPr>
+            <p:ph type="sldNum" sz="quarter" idx="5"/>
+          </p:nvPr>
+        </p:nvSpPr>
+        <p:spPr/>
+        <p:txBody>
+          <a:bodyPr/>
+          <a:lstStyle/>
+          <a:p>
+            <a:fld id="{E73CFAA4-C87D-1545-9F8E-F35BF2220A99}" type="slidenum">
+              <a:rPr lang="it-IT" smtClean="0"/>
+              <a:t>7</a:t>
+            </a:fld>
+            <a:endParaRPr lang="it-IT"/>
+          </a:p>
+        </p:txBody>
+      </p:sp>
+    </p:spTree>
+    <p:extLst>
+      <p:ext uri="{BB962C8B-B14F-4D97-AF65-F5344CB8AC3E}">
+        <p14:creationId xmlns:p14="http://schemas.microsoft.com/office/powerpoint/2010/main" val="390983667"/>
+      </p:ext>
+    </p:extLst>
+  </p:cSld>
+  <p:clrMapOvr>
+    <a:masterClrMapping/>
+  </p:clrMapOvr>
+</p:notes>
+</file>
+
 <file path=ppt/slideLayouts/slideLayout1.xml><?xml version="1.0" encoding="utf-8"?>
 <p:sldLayout xmlns:a="http://schemas.openxmlformats.org/drawingml/2006/main" xmlns:r="http://schemas.openxmlformats.org/officeDocument/2006/relationships" xmlns:p="http://schemas.openxmlformats.org/presentationml/2006/main" preserve="1" userDrawn="1">
   <p:cSld name="Titolo e contenuto">
@@ -2064,14 +2148,14 @@
           </a:ln>
           <a:extLst>
             <a:ext uri="{909E8E84-426E-40dd-AFC4-6F175D3DCCD1}">
-              <a14:hiddenFill xmlns="" xmlns:a14="http://schemas.microsoft.com/office/drawing/2010/main">
+              <a14:hiddenFill xmlns:a14="http://schemas.microsoft.com/office/drawing/2010/main" xmlns="">
                 <a:solidFill>
                   <a:srgbClr val="FFFFFF"/>
                 </a:solidFill>
               </a14:hiddenFill>
             </a:ext>
             <a:ext uri="{91240B29-F687-4f45-9708-019B960494DF}">
-              <a14:hiddenLine xmlns="" xmlns:a14="http://schemas.microsoft.com/office/drawing/2010/main" w="9525">
+              <a14:hiddenLine xmlns:a14="http://schemas.microsoft.com/office/drawing/2010/main" xmlns="" w="9525">
                 <a:solidFill>
                   <a:srgbClr val="000000"/>
                 </a:solidFill>
@@ -2149,14 +2233,14 @@
           </a:ln>
           <a:extLst>
             <a:ext uri="{909E8E84-426E-40dd-AFC4-6F175D3DCCD1}">
-              <a14:hiddenFill xmlns="" xmlns:a14="http://schemas.microsoft.com/office/drawing/2010/main">
+              <a14:hiddenFill xmlns:a14="http://schemas.microsoft.com/office/drawing/2010/main" xmlns="">
                 <a:solidFill>
                   <a:srgbClr val="FFFFFF"/>
                 </a:solidFill>
               </a14:hiddenFill>
             </a:ext>
             <a:ext uri="{91240B29-F687-4f45-9708-019B960494DF}">
-              <a14:hiddenLine xmlns="" xmlns:a14="http://schemas.microsoft.com/office/drawing/2010/main" w="9525">
+              <a14:hiddenLine xmlns:a14="http://schemas.microsoft.com/office/drawing/2010/main" xmlns="" w="9525">
                 <a:solidFill>
                   <a:srgbClr val="000000"/>
                 </a:solidFill>
@@ -2166,7 +2250,7 @@
               </a14:hiddenLine>
             </a:ext>
             <a:ext uri="{FAA26D3D-D897-4be2-8F04-BA451C77F1D7}">
-              <ma14:placeholderFlag xmlns="" xmlns:ma14="http://schemas.microsoft.com/office/mac/drawingml/2011/main" val="1"/>
+              <ma14:placeholderFlag xmlns:ma14="http://schemas.microsoft.com/office/mac/drawingml/2011/main" xmlns="" val="1"/>
             </a:ext>
           </a:extLst>
         </p:spPr>
@@ -2210,14 +2294,14 @@
           </a:ln>
           <a:extLst>
             <a:ext uri="{909E8E84-426E-40dd-AFC4-6F175D3DCCD1}">
-              <a14:hiddenFill xmlns="" xmlns:a14="http://schemas.microsoft.com/office/drawing/2010/main">
+              <a14:hiddenFill xmlns:a14="http://schemas.microsoft.com/office/drawing/2010/main" xmlns="">
                 <a:solidFill>
                   <a:srgbClr val="FFFFFF"/>
                 </a:solidFill>
               </a14:hiddenFill>
             </a:ext>
             <a:ext uri="{91240B29-F687-4f45-9708-019B960494DF}">
-              <a14:hiddenLine xmlns="" xmlns:a14="http://schemas.microsoft.com/office/drawing/2010/main" w="9525">
+              <a14:hiddenLine xmlns:a14="http://schemas.microsoft.com/office/drawing/2010/main" xmlns="" w="9525">
                 <a:solidFill>
                   <a:srgbClr val="000000"/>
                 </a:solidFill>
@@ -2227,7 +2311,7 @@
               </a14:hiddenLine>
             </a:ext>
             <a:ext uri="{FAA26D3D-D897-4be2-8F04-BA451C77F1D7}">
-              <ma14:placeholderFlag xmlns="" xmlns:ma14="http://schemas.microsoft.com/office/mac/drawingml/2011/main" val="1"/>
+              <ma14:placeholderFlag xmlns:ma14="http://schemas.microsoft.com/office/mac/drawingml/2011/main" xmlns="" val="1"/>
             </a:ext>
           </a:extLst>
         </p:spPr>
@@ -2722,14 +2806,14 @@
           <a:effectLst/>
           <a:extLst>
             <a:ext uri="{909E8E84-426E-40dd-AFC4-6F175D3DCCD1}">
-              <a14:hiddenFill xmlns="" xmlns:a14="http://schemas.microsoft.com/office/drawing/2010/main">
+              <a14:hiddenFill xmlns:a14="http://schemas.microsoft.com/office/drawing/2010/main" xmlns="">
                 <a:solidFill>
                   <a:schemeClr val="accent1"/>
                 </a:solidFill>
               </a14:hiddenFill>
             </a:ext>
             <a:ext uri="{91240B29-F687-4f45-9708-019B960494DF}">
-              <a14:hiddenLine xmlns="" xmlns:a14="http://schemas.microsoft.com/office/drawing/2010/main" w="9525">
+              <a14:hiddenLine xmlns:a14="http://schemas.microsoft.com/office/drawing/2010/main" xmlns="" w="9525">
                 <a:solidFill>
                   <a:srgbClr val="FF6600"/>
                 </a:solidFill>
@@ -2739,7 +2823,7 @@
               </a14:hiddenLine>
             </a:ext>
             <a:ext uri="{AF507438-7753-43e0-B8FC-AC1667EBCBE1}">
-              <a14:hiddenEffects xmlns="" xmlns:a14="http://schemas.microsoft.com/office/drawing/2010/main">
+              <a14:hiddenEffects xmlns:a14="http://schemas.microsoft.com/office/drawing/2010/main" xmlns="">
                 <a:effectLst>
                   <a:outerShdw blurRad="63500" dist="38099" dir="2700000" algn="ctr" rotWithShape="0">
                     <a:schemeClr val="bg2">
@@ -3307,14 +3391,14 @@
           </a:ln>
           <a:extLst>
             <a:ext uri="{909E8E84-426E-40dd-AFC4-6F175D3DCCD1}">
-              <a14:hiddenFill xmlns="" xmlns:a14="http://schemas.microsoft.com/office/drawing/2010/main">
+              <a14:hiddenFill xmlns:a14="http://schemas.microsoft.com/office/drawing/2010/main" xmlns="">
                 <a:solidFill>
                   <a:srgbClr val="FFFFFF"/>
                 </a:solidFill>
               </a14:hiddenFill>
             </a:ext>
             <a:ext uri="{91240B29-F687-4f45-9708-019B960494DF}">
-              <a14:hiddenLine xmlns="" xmlns:a14="http://schemas.microsoft.com/office/drawing/2010/main" w="9525">
+              <a14:hiddenLine xmlns:a14="http://schemas.microsoft.com/office/drawing/2010/main" xmlns="" w="9525">
                 <a:solidFill>
                   <a:srgbClr val="000000"/>
                 </a:solidFill>
@@ -3392,14 +3476,14 @@
           </a:ln>
           <a:extLst>
             <a:ext uri="{909E8E84-426E-40dd-AFC4-6F175D3DCCD1}">
-              <a14:hiddenFill xmlns="" xmlns:a14="http://schemas.microsoft.com/office/drawing/2010/main">
+              <a14:hiddenFill xmlns:a14="http://schemas.microsoft.com/office/drawing/2010/main" xmlns="">
                 <a:solidFill>
                   <a:srgbClr val="FFFFFF"/>
                 </a:solidFill>
               </a14:hiddenFill>
             </a:ext>
             <a:ext uri="{91240B29-F687-4f45-9708-019B960494DF}">
-              <a14:hiddenLine xmlns="" xmlns:a14="http://schemas.microsoft.com/office/drawing/2010/main" w="9525">
+              <a14:hiddenLine xmlns:a14="http://schemas.microsoft.com/office/drawing/2010/main" xmlns="" w="9525">
                 <a:solidFill>
                   <a:srgbClr val="000000"/>
                 </a:solidFill>
@@ -3409,7 +3493,7 @@
               </a14:hiddenLine>
             </a:ext>
             <a:ext uri="{FAA26D3D-D897-4be2-8F04-BA451C77F1D7}">
-              <ma14:placeholderFlag xmlns="" xmlns:ma14="http://schemas.microsoft.com/office/mac/drawingml/2011/main" val="1"/>
+              <ma14:placeholderFlag xmlns:ma14="http://schemas.microsoft.com/office/mac/drawingml/2011/main" xmlns="" val="1"/>
             </a:ext>
           </a:extLst>
         </p:spPr>
@@ -3453,14 +3537,14 @@
           </a:ln>
           <a:extLst>
             <a:ext uri="{909E8E84-426E-40dd-AFC4-6F175D3DCCD1}">
-              <a14:hiddenFill xmlns="" xmlns:a14="http://schemas.microsoft.com/office/drawing/2010/main">
+              <a14:hiddenFill xmlns:a14="http://schemas.microsoft.com/office/drawing/2010/main" xmlns="">
                 <a:solidFill>
                   <a:srgbClr val="FFFFFF"/>
                 </a:solidFill>
               </a14:hiddenFill>
             </a:ext>
             <a:ext uri="{91240B29-F687-4f45-9708-019B960494DF}">
-              <a14:hiddenLine xmlns="" xmlns:a14="http://schemas.microsoft.com/office/drawing/2010/main" w="9525">
+              <a14:hiddenLine xmlns:a14="http://schemas.microsoft.com/office/drawing/2010/main" xmlns="" w="9525">
                 <a:solidFill>
                   <a:srgbClr val="000000"/>
                 </a:solidFill>
@@ -3470,7 +3554,7 @@
               </a14:hiddenLine>
             </a:ext>
             <a:ext uri="{FAA26D3D-D897-4be2-8F04-BA451C77F1D7}">
-              <ma14:placeholderFlag xmlns="" xmlns:ma14="http://schemas.microsoft.com/office/mac/drawingml/2011/main" val="1"/>
+              <ma14:placeholderFlag xmlns:ma14="http://schemas.microsoft.com/office/mac/drawingml/2011/main" xmlns="" val="1"/>
             </a:ext>
           </a:extLst>
         </p:spPr>
@@ -4739,46 +4823,10 @@
       </p:sp>
       <p:pic>
         <p:nvPicPr>
-          <p:cNvPr id="13" name="Immagine 12" descr="Immagine che contiene linea, Diagramma, diagramma, calligrafia&#10;&#10;Descrizione generata automaticamente">
+          <p:cNvPr id="13" name="Immagine 12">
             <a:extLst>
               <a:ext uri="{FF2B5EF4-FFF2-40B4-BE49-F238E27FC236}">
                 <a16:creationId xmlns:a16="http://schemas.microsoft.com/office/drawing/2014/main" id="{0D6BF901-B466-1A00-5853-C3776936D958}"/>
-              </a:ext>
-            </a:extLst>
-          </p:cNvPr>
-          <p:cNvPicPr>
-            <a:picLocks noChangeAspect="1"/>
-          </p:cNvPicPr>
-          <p:nvPr/>
-        </p:nvPicPr>
-        <p:blipFill>
-          <a:blip r:embed="rId2" cstate="email">
-            <a:extLst>
-              <a:ext uri="{28A0092B-C50C-407E-A947-70E740481C1C}">
-                <a14:useLocalDpi xmlns:a14="http://schemas.microsoft.com/office/drawing/2010/main" val="0"/>
-              </a:ext>
-            </a:extLst>
-          </a:blip>
-          <a:stretch>
-            <a:fillRect/>
-          </a:stretch>
-        </p:blipFill>
-        <p:spPr>
-          <a:xfrm>
-            <a:off x="4644000" y="3743952"/>
-            <a:ext cx="4500000" cy="2287467"/>
-          </a:xfrm>
-          <a:prstGeom prst="rect">
-            <a:avLst/>
-          </a:prstGeom>
-        </p:spPr>
-      </p:pic>
-      <p:pic>
-        <p:nvPicPr>
-          <p:cNvPr id="15" name="Immagine 14" descr="Immagine che contiene linea, calligrafia, Diagramma, diagramma&#10;&#10;Descrizione generata automaticamente">
-            <a:extLst>
-              <a:ext uri="{FF2B5EF4-FFF2-40B4-BE49-F238E27FC236}">
-                <a16:creationId xmlns:a16="http://schemas.microsoft.com/office/drawing/2014/main" id="{C222AB67-FE19-1A1E-CC84-D045F8088711}"/>
               </a:ext>
             </a:extLst>
           </p:cNvPr>
@@ -4795,14 +4843,48 @@
               </a:ext>
             </a:extLst>
           </a:blip>
-          <a:stretch>
-            <a:fillRect/>
-          </a:stretch>
+          <a:srcRect/>
+          <a:stretch/>
         </p:blipFill>
         <p:spPr>
           <a:xfrm>
-            <a:off x="4644000" y="1418999"/>
-            <a:ext cx="4500000" cy="2287467"/>
+            <a:off x="4646428" y="3743953"/>
+            <a:ext cx="4494588" cy="2287467"/>
+          </a:xfrm>
+          <a:prstGeom prst="rect">
+            <a:avLst/>
+          </a:prstGeom>
+        </p:spPr>
+      </p:pic>
+      <p:pic>
+        <p:nvPicPr>
+          <p:cNvPr id="15" name="Immagine 14">
+            <a:extLst>
+              <a:ext uri="{FF2B5EF4-FFF2-40B4-BE49-F238E27FC236}">
+                <a16:creationId xmlns:a16="http://schemas.microsoft.com/office/drawing/2014/main" id="{C222AB67-FE19-1A1E-CC84-D045F8088711}"/>
+              </a:ext>
+            </a:extLst>
+          </p:cNvPr>
+          <p:cNvPicPr>
+            <a:picLocks noChangeAspect="1"/>
+          </p:cNvPicPr>
+          <p:nvPr/>
+        </p:nvPicPr>
+        <p:blipFill>
+          <a:blip r:embed="rId4" cstate="email">
+            <a:extLst>
+              <a:ext uri="{28A0092B-C50C-407E-A947-70E740481C1C}">
+                <a14:useLocalDpi xmlns:a14="http://schemas.microsoft.com/office/drawing/2010/main" val="0"/>
+              </a:ext>
+            </a:extLst>
+          </a:blip>
+          <a:srcRect/>
+          <a:stretch/>
+        </p:blipFill>
+        <p:spPr>
+          <a:xfrm>
+            <a:off x="4649412" y="1456487"/>
+            <a:ext cx="4494588" cy="2287467"/>
           </a:xfrm>
           <a:prstGeom prst="rect">
             <a:avLst/>
@@ -4823,54 +4905,18 @@
         </p:nvGrpSpPr>
         <p:grpSpPr>
           <a:xfrm>
-            <a:off x="1" y="1459708"/>
-            <a:ext cx="4500000" cy="5100039"/>
-            <a:chOff x="72000" y="1459705"/>
-            <a:chExt cx="4500000" cy="5100039"/>
+            <a:off x="2707" y="1459708"/>
+            <a:ext cx="4494588" cy="5100039"/>
+            <a:chOff x="74706" y="1459705"/>
+            <a:chExt cx="4494588" cy="5100039"/>
           </a:xfrm>
         </p:grpSpPr>
         <p:pic>
           <p:nvPicPr>
-            <p:cNvPr id="9" name="Immagine 8" descr="Immagine che contiene linea, testo, Diagramma&#10;&#10;Descrizione generata automaticamente">
+            <p:cNvPr id="9" name="Immagine 8">
               <a:extLst>
                 <a:ext uri="{FF2B5EF4-FFF2-40B4-BE49-F238E27FC236}">
                   <a16:creationId xmlns:a16="http://schemas.microsoft.com/office/drawing/2014/main" id="{1E216091-19F0-8CA7-1077-476E790B1AE0}"/>
-                </a:ext>
-              </a:extLst>
-            </p:cNvPr>
-            <p:cNvPicPr>
-              <a:picLocks noChangeAspect="1"/>
-            </p:cNvPicPr>
-            <p:nvPr/>
-          </p:nvPicPr>
-          <p:blipFill>
-            <a:blip r:embed="rId4" cstate="email">
-              <a:extLst>
-                <a:ext uri="{28A0092B-C50C-407E-A947-70E740481C1C}">
-                  <a14:useLocalDpi xmlns:a14="http://schemas.microsoft.com/office/drawing/2010/main" val="0"/>
-                </a:ext>
-              </a:extLst>
-            </a:blip>
-            <a:stretch>
-              <a:fillRect/>
-            </a:stretch>
-          </p:blipFill>
-          <p:spPr>
-            <a:xfrm>
-              <a:off x="72000" y="1459705"/>
-              <a:ext cx="4500000" cy="2287467"/>
-            </a:xfrm>
-            <a:prstGeom prst="rect">
-              <a:avLst/>
-            </a:prstGeom>
-          </p:spPr>
-        </p:pic>
-        <p:pic>
-          <p:nvPicPr>
-            <p:cNvPr id="11" name="Immagine 10" descr="Immagine che contiene linea, testo, Diagramma&#10;&#10;Descrizione generata automaticamente">
-              <a:extLst>
-                <a:ext uri="{FF2B5EF4-FFF2-40B4-BE49-F238E27FC236}">
-                  <a16:creationId xmlns:a16="http://schemas.microsoft.com/office/drawing/2014/main" id="{2D51B301-D358-294E-7BD9-A6236FD8C68C}"/>
                 </a:ext>
               </a:extLst>
             </p:cNvPr>
@@ -4887,14 +4933,48 @@
                 </a:ext>
               </a:extLst>
             </a:blip>
-            <a:stretch>
-              <a:fillRect/>
-            </a:stretch>
+            <a:srcRect/>
+            <a:stretch/>
           </p:blipFill>
           <p:spPr>
             <a:xfrm>
-              <a:off x="72000" y="3743953"/>
-              <a:ext cx="4500000" cy="2287467"/>
+              <a:off x="74706" y="1459705"/>
+              <a:ext cx="4494588" cy="2287467"/>
+            </a:xfrm>
+            <a:prstGeom prst="rect">
+              <a:avLst/>
+            </a:prstGeom>
+          </p:spPr>
+        </p:pic>
+        <p:pic>
+          <p:nvPicPr>
+            <p:cNvPr id="11" name="Immagine 10">
+              <a:extLst>
+                <a:ext uri="{FF2B5EF4-FFF2-40B4-BE49-F238E27FC236}">
+                  <a16:creationId xmlns:a16="http://schemas.microsoft.com/office/drawing/2014/main" id="{2D51B301-D358-294E-7BD9-A6236FD8C68C}"/>
+                </a:ext>
+              </a:extLst>
+            </p:cNvPr>
+            <p:cNvPicPr>
+              <a:picLocks noChangeAspect="1"/>
+            </p:cNvPicPr>
+            <p:nvPr/>
+          </p:nvPicPr>
+          <p:blipFill>
+            <a:blip r:embed="rId6" cstate="email">
+              <a:extLst>
+                <a:ext uri="{28A0092B-C50C-407E-A947-70E740481C1C}">
+                  <a14:useLocalDpi xmlns:a14="http://schemas.microsoft.com/office/drawing/2010/main" val="0"/>
+                </a:ext>
+              </a:extLst>
+            </a:blip>
+            <a:srcRect/>
+            <a:stretch/>
+          </p:blipFill>
+          <p:spPr>
+            <a:xfrm>
+              <a:off x="74706" y="3743953"/>
+              <a:ext cx="4494588" cy="2287467"/>
             </a:xfrm>
             <a:prstGeom prst="rect">
               <a:avLst/>
